--- a/Presentations/firstEval_notes.pptx
+++ b/Presentations/firstEval_notes.pptx
@@ -233,7 +233,7 @@
           <a:p>
             <a:fld id="{594469E2-7578-498B-A3C6-F48F2C285648}" type="datetimeFigureOut">
               <a:rPr lang="en-IN" smtClean="0"/>
-              <a:t>03-04-2023</a:t>
+              <a:t>10-04-2023</a:t>
             </a:fld>
             <a:endParaRPr lang="en-IN"/>
           </a:p>
@@ -3671,7 +3671,7 @@
           <a:p>
             <a:fld id="{7FA025A1-984E-4B5B-BCCE-8DF38927D2FD}" type="datetimeFigureOut">
               <a:rPr lang="en-IN" smtClean="0"/>
-              <a:t>03-04-2023</a:t>
+              <a:t>10-04-2023</a:t>
             </a:fld>
             <a:endParaRPr lang="en-IN"/>
           </a:p>
@@ -3934,7 +3934,7 @@
           <a:p>
             <a:fld id="{7FA025A1-984E-4B5B-BCCE-8DF38927D2FD}" type="datetimeFigureOut">
               <a:rPr lang="en-IN" smtClean="0"/>
-              <a:t>03-04-2023</a:t>
+              <a:t>10-04-2023</a:t>
             </a:fld>
             <a:endParaRPr lang="en-IN"/>
           </a:p>
@@ -4260,7 +4260,7 @@
           <a:p>
             <a:fld id="{7FA025A1-984E-4B5B-BCCE-8DF38927D2FD}" type="datetimeFigureOut">
               <a:rPr lang="en-IN" smtClean="0"/>
-              <a:t>03-04-2023</a:t>
+              <a:t>10-04-2023</a:t>
             </a:fld>
             <a:endParaRPr lang="en-IN"/>
           </a:p>
@@ -4613,7 +4613,7 @@
           <a:p>
             <a:fld id="{7FA025A1-984E-4B5B-BCCE-8DF38927D2FD}" type="datetimeFigureOut">
               <a:rPr lang="en-IN" smtClean="0"/>
-              <a:t>03-04-2023</a:t>
+              <a:t>10-04-2023</a:t>
             </a:fld>
             <a:endParaRPr lang="en-IN"/>
           </a:p>
@@ -4939,7 +4939,7 @@
           <a:p>
             <a:fld id="{7FA025A1-984E-4B5B-BCCE-8DF38927D2FD}" type="datetimeFigureOut">
               <a:rPr lang="en-IN" smtClean="0"/>
-              <a:t>03-04-2023</a:t>
+              <a:t>10-04-2023</a:t>
             </a:fld>
             <a:endParaRPr lang="en-IN"/>
           </a:p>
@@ -5344,7 +5344,7 @@
           <a:p>
             <a:fld id="{7FA025A1-984E-4B5B-BCCE-8DF38927D2FD}" type="datetimeFigureOut">
               <a:rPr lang="en-IN" smtClean="0"/>
-              <a:t>03-04-2023</a:t>
+              <a:t>10-04-2023</a:t>
             </a:fld>
             <a:endParaRPr lang="en-IN"/>
           </a:p>
@@ -5526,7 +5526,7 @@
           <a:p>
             <a:fld id="{7FA025A1-984E-4B5B-BCCE-8DF38927D2FD}" type="datetimeFigureOut">
               <a:rPr lang="en-IN" smtClean="0"/>
-              <a:t>03-04-2023</a:t>
+              <a:t>10-04-2023</a:t>
             </a:fld>
             <a:endParaRPr lang="en-IN"/>
           </a:p>
@@ -5718,7 +5718,7 @@
           <a:p>
             <a:fld id="{7FA025A1-984E-4B5B-BCCE-8DF38927D2FD}" type="datetimeFigureOut">
               <a:rPr lang="en-IN" smtClean="0"/>
-              <a:t>03-04-2023</a:t>
+              <a:t>10-04-2023</a:t>
             </a:fld>
             <a:endParaRPr lang="en-IN"/>
           </a:p>
@@ -5906,7 +5906,7 @@
           <a:p>
             <a:fld id="{7FA025A1-984E-4B5B-BCCE-8DF38927D2FD}" type="datetimeFigureOut">
               <a:rPr lang="en-IN" smtClean="0"/>
-              <a:t>03-04-2023</a:t>
+              <a:t>10-04-2023</a:t>
             </a:fld>
             <a:endParaRPr lang="en-IN"/>
           </a:p>
@@ -6165,7 +6165,7 @@
           <a:p>
             <a:fld id="{7FA025A1-984E-4B5B-BCCE-8DF38927D2FD}" type="datetimeFigureOut">
               <a:rPr lang="en-IN" smtClean="0"/>
-              <a:t>03-04-2023</a:t>
+              <a:t>10-04-2023</a:t>
             </a:fld>
             <a:endParaRPr lang="en-IN"/>
           </a:p>
@@ -6409,7 +6409,7 @@
           <a:p>
             <a:fld id="{7FA025A1-984E-4B5B-BCCE-8DF38927D2FD}" type="datetimeFigureOut">
               <a:rPr lang="en-IN" smtClean="0"/>
-              <a:t>03-04-2023</a:t>
+              <a:t>10-04-2023</a:t>
             </a:fld>
             <a:endParaRPr lang="en-IN"/>
           </a:p>
@@ -6795,7 +6795,7 @@
           <a:p>
             <a:fld id="{7FA025A1-984E-4B5B-BCCE-8DF38927D2FD}" type="datetimeFigureOut">
               <a:rPr lang="en-IN" smtClean="0"/>
-              <a:t>03-04-2023</a:t>
+              <a:t>10-04-2023</a:t>
             </a:fld>
             <a:endParaRPr lang="en-IN"/>
           </a:p>
@@ -6930,7 +6930,7 @@
           <a:p>
             <a:fld id="{7FA025A1-984E-4B5B-BCCE-8DF38927D2FD}" type="datetimeFigureOut">
               <a:rPr lang="en-IN" smtClean="0"/>
-              <a:t>03-04-2023</a:t>
+              <a:t>10-04-2023</a:t>
             </a:fld>
             <a:endParaRPr lang="en-IN"/>
           </a:p>
@@ -7037,7 +7037,7 @@
           <a:p>
             <a:fld id="{7FA025A1-984E-4B5B-BCCE-8DF38927D2FD}" type="datetimeFigureOut">
               <a:rPr lang="en-IN" smtClean="0"/>
-              <a:t>03-04-2023</a:t>
+              <a:t>10-04-2023</a:t>
             </a:fld>
             <a:endParaRPr lang="en-IN"/>
           </a:p>
@@ -7304,7 +7304,7 @@
           <a:p>
             <a:fld id="{7FA025A1-984E-4B5B-BCCE-8DF38927D2FD}" type="datetimeFigureOut">
               <a:rPr lang="en-IN" smtClean="0"/>
-              <a:t>03-04-2023</a:t>
+              <a:t>10-04-2023</a:t>
             </a:fld>
             <a:endParaRPr lang="en-IN"/>
           </a:p>
@@ -7579,7 +7579,7 @@
           <a:p>
             <a:fld id="{7FA025A1-984E-4B5B-BCCE-8DF38927D2FD}" type="datetimeFigureOut">
               <a:rPr lang="en-IN" smtClean="0"/>
-              <a:t>03-04-2023</a:t>
+              <a:t>10-04-2023</a:t>
             </a:fld>
             <a:endParaRPr lang="en-IN"/>
           </a:p>
@@ -8334,7 +8334,7 @@
           <a:p>
             <a:fld id="{7FA025A1-984E-4B5B-BCCE-8DF38927D2FD}" type="datetimeFigureOut">
               <a:rPr lang="en-IN" smtClean="0"/>
-              <a:t>03-04-2023</a:t>
+              <a:t>10-04-2023</a:t>
             </a:fld>
             <a:endParaRPr lang="en-IN"/>
           </a:p>
@@ -20213,7 +20213,12 @@
             <p:ph type="title"/>
           </p:nvPr>
         </p:nvSpPr>
-        <p:spPr/>
+        <p:spPr>
+          <a:xfrm>
+            <a:off x="1246046" y="498088"/>
+            <a:ext cx="8596668" cy="1320800"/>
+          </a:xfrm>
+        </p:spPr>
         <p:txBody>
           <a:bodyPr/>
           <a:lstStyle/>
@@ -20228,10 +20233,10 @@
       </p:sp>
       <p:pic>
         <p:nvPicPr>
-          <p:cNvPr id="5" name="Picture 4">
+          <p:cNvPr id="8" name="Picture 7">
             <a:extLst>
               <a:ext uri="{FF2B5EF4-FFF2-40B4-BE49-F238E27FC236}">
-                <a16:creationId xmlns:a16="http://schemas.microsoft.com/office/drawing/2014/main" id="{C56338FC-57CE-45DC-85B1-2EA0194659F2}"/>
+                <a16:creationId xmlns:a16="http://schemas.microsoft.com/office/drawing/2014/main" id="{1C6E1918-BCF0-4C7E-8E6B-F77E43A74721}"/>
               </a:ext>
             </a:extLst>
           </p:cNvPr>
@@ -20254,8 +20259,8 @@
         </p:blipFill>
         <p:spPr>
           <a:xfrm>
-            <a:off x="1684554" y="2008459"/>
-            <a:ext cx="6936476" cy="3581710"/>
+            <a:off x="1880934" y="1214801"/>
+            <a:ext cx="7296519" cy="5145111"/>
           </a:xfrm>
           <a:prstGeom prst="rect">
             <a:avLst/>
